--- a/Breadth First Search.pptx
+++ b/Breadth First Search.pptx
@@ -19042,7 +19042,7 @@
             </a:pPr>
             <a:r>
               <a:rPr lang="en" sz="1600"/>
-              <a:t>Need to set a high capacity for he queue if we operate BFS for huge graph</a:t>
+              <a:t>Need to set a high capacity for the queue if we operate BFS for huge graph</a:t>
             </a:r>
             <a:endParaRPr sz="1600"/>
           </a:p>
@@ -20788,7 +20788,7 @@
             </a:pPr>
             <a:r>
               <a:rPr lang="en"/>
-              <a:t>When there are 32768 nodes, the optimized Alpha is at about 16.</a:t>
+              <a:t>When there are 32768 nodes, the optimized Beta is at about 16.</a:t>
             </a:r>
             <a:endParaRPr/>
           </a:p>
